--- a/SWIMskill.pptx
+++ b/SWIMskill.pptx
@@ -7172,7 +7172,7 @@
         </p:nvSpPr>
         <p:spPr>
           <a:xfrm>
-            <a:off x="0" y="0"/>
+            <a:off x="0" y="16510"/>
             <a:ext cx="12192635" cy="6858000"/>
           </a:xfrm>
           <a:prstGeom prst="rect">
@@ -7557,7 +7557,7 @@
           <a:p>
             <a:pPr marL="0" indent="0"/>
             <a:r>
-              <a:rPr lang="ru-RU" altLang="zh-CN" sz="2400" b="1" i="0">
+              <a:rPr lang="ru-RU" sz="2400" b="1" i="0">
                 <a:solidFill>
                   <a:schemeClr val="bg1"/>
                 </a:solidFill>
@@ -7565,31 +7565,9 @@
                 <a:ea typeface="YS Text"/>
                 <a:cs typeface="Calibri Light" panose="020F0302020204030204" pitchFamily="34" charset="0"/>
               </a:rPr>
-              <a:t>Классы </a:t>
+              <a:t>Многопоточность</a:t>
             </a:r>
-            <a:r>
-              <a:rPr lang="en-US" altLang="zh-CN" sz="2400" b="1" i="0">
-                <a:solidFill>
-                  <a:schemeClr val="bg1"/>
-                </a:solidFill>
-                <a:latin typeface="Calibri Light" panose="020F0302020204030204" pitchFamily="34" charset="0"/>
-                <a:ea typeface="YS Text"/>
-                <a:cs typeface="Calibri Light" panose="020F0302020204030204" pitchFamily="34" charset="0"/>
-              </a:rPr>
-              <a:t>RecycleView </a:t>
-            </a:r>
-            <a:r>
-              <a:rPr lang="ru-RU" altLang="zh-CN" sz="2400" b="1" i="0">
-                <a:solidFill>
-                  <a:schemeClr val="bg1"/>
-                </a:solidFill>
-                <a:latin typeface="Calibri Light" panose="020F0302020204030204" pitchFamily="34" charset="0"/>
-                <a:ea typeface="YS Text"/>
-                <a:cs typeface="Calibri Light" panose="020F0302020204030204" pitchFamily="34" charset="0"/>
-              </a:rPr>
-              <a:t>с их адаптерами</a:t>
-            </a:r>
-            <a:endParaRPr lang="ru-RU" altLang="zh-CN" sz="2400" b="1" i="0">
+            <a:endParaRPr lang="ru-RU" sz="2400" b="1" i="0">
               <a:solidFill>
                 <a:schemeClr val="bg1"/>
               </a:solidFill>
@@ -8247,6 +8225,30 @@
           </a:p>
         </p:txBody>
       </p:sp>
+      <p:pic>
+        <p:nvPicPr>
+          <p:cNvPr id="3" name="Изображение 2" descr="22"/>
+          <p:cNvPicPr>
+            <a:picLocks noChangeAspect="1"/>
+          </p:cNvPicPr>
+          <p:nvPr/>
+        </p:nvPicPr>
+        <p:blipFill>
+          <a:blip r:embed="rId20"/>
+          <a:stretch>
+            <a:fillRect/>
+          </a:stretch>
+        </p:blipFill>
+        <p:spPr>
+          <a:xfrm>
+            <a:off x="6889750" y="912495"/>
+            <a:ext cx="1377315" cy="1278255"/>
+          </a:xfrm>
+          <a:prstGeom prst="rect">
+            <a:avLst/>
+          </a:prstGeom>
+        </p:spPr>
+      </p:pic>
     </p:spTree>
   </p:cSld>
   <p:clrMapOvr>
@@ -8289,7 +8291,7 @@
         </p:nvSpPr>
         <p:spPr>
           <a:xfrm>
-            <a:off x="0" y="0"/>
+            <a:off x="0" y="-60960"/>
             <a:ext cx="12192635" cy="6858000"/>
           </a:xfrm>
           <a:prstGeom prst="rect">
@@ -8326,6 +8328,10 @@
           <a:bodyPr rtlCol="0" anchor="ctr"/>
           <a:p>
             <a:pPr algn="ctr"/>
+            <a:r>
+              <a:rPr lang="ru-RU" altLang="en-US"/>
+              <a:t>Ы</a:t>
+            </a:r>
             <a:endParaRPr lang="ru-RU" altLang="en-US"/>
           </a:p>
         </p:txBody>
@@ -9405,6 +9411,30 @@
           </a:prstGeom>
         </p:spPr>
       </p:pic>
+      <p:pic>
+        <p:nvPicPr>
+          <p:cNvPr id="4" name="Изображение 3" descr="51"/>
+          <p:cNvPicPr>
+            <a:picLocks noChangeAspect="1"/>
+          </p:cNvPicPr>
+          <p:nvPr/>
+        </p:nvPicPr>
+        <p:blipFill>
+          <a:blip r:embed="rId22"/>
+          <a:stretch>
+            <a:fillRect/>
+          </a:stretch>
+        </p:blipFill>
+        <p:spPr>
+          <a:xfrm>
+            <a:off x="4980305" y="1370965"/>
+            <a:ext cx="745490" cy="745490"/>
+          </a:xfrm>
+          <a:prstGeom prst="rect">
+            <a:avLst/>
+          </a:prstGeom>
+        </p:spPr>
+      </p:pic>
     </p:spTree>
   </p:cSld>
   <p:clrMapOvr>
@@ -9772,6 +9802,30 @@
           </a:p>
         </p:txBody>
       </p:sp>
+      <p:pic>
+        <p:nvPicPr>
+          <p:cNvPr id="3" name="Изображение 2" descr="2"/>
+          <p:cNvPicPr>
+            <a:picLocks noChangeAspect="1"/>
+          </p:cNvPicPr>
+          <p:nvPr/>
+        </p:nvPicPr>
+        <p:blipFill>
+          <a:blip r:embed="rId5"/>
+          <a:stretch>
+            <a:fillRect/>
+          </a:stretch>
+        </p:blipFill>
+        <p:spPr>
+          <a:xfrm>
+            <a:off x="5480050" y="438785"/>
+            <a:ext cx="5679440" cy="5679440"/>
+          </a:xfrm>
+          <a:prstGeom prst="rect">
+            <a:avLst/>
+          </a:prstGeom>
+        </p:spPr>
+      </p:pic>
     </p:spTree>
   </p:cSld>
   <p:clrMapOvr>
@@ -10415,6 +10469,30 @@
           </a:p>
         </p:txBody>
       </p:sp>
+      <p:pic>
+        <p:nvPicPr>
+          <p:cNvPr id="3" name="Изображение 2" descr="6"/>
+          <p:cNvPicPr>
+            <a:picLocks noChangeAspect="1"/>
+          </p:cNvPicPr>
+          <p:nvPr/>
+        </p:nvPicPr>
+        <p:blipFill>
+          <a:blip r:embed="rId9"/>
+          <a:stretch>
+            <a:fillRect/>
+          </a:stretch>
+        </p:blipFill>
+        <p:spPr>
+          <a:xfrm>
+            <a:off x="6599555" y="887730"/>
+            <a:ext cx="1677670" cy="1677670"/>
+          </a:xfrm>
+          <a:prstGeom prst="rect">
+            <a:avLst/>
+          </a:prstGeom>
+        </p:spPr>
+      </p:pic>
     </p:spTree>
   </p:cSld>
   <p:clrMapOvr>
@@ -10925,7 +11003,7 @@
         <p:spPr>
           <a:xfrm>
             <a:off x="2124710" y="2727325"/>
-            <a:ext cx="5463540" cy="961390"/>
+            <a:ext cx="6073140" cy="961390"/>
           </a:xfrm>
           <a:prstGeom prst="rect">
             <a:avLst/>
@@ -10937,6 +11015,10 @@
             <a:noAutofit/>
           </a:bodyPr>
           <a:p>
+            <a:pPr marL="571500" indent="-571500">
+              <a:buFont typeface="Arial" panose="020B0604020202020204" pitchFamily="34" charset="0"/>
+              <a:buChar char="•"/>
+            </a:pPr>
             <a:r>
               <a:rPr lang="ru-RU" altLang="en-US" sz="4000">
                 <a:solidFill>
@@ -10966,7 +11048,7 @@
         <p:spPr>
           <a:xfrm>
             <a:off x="2124710" y="4160520"/>
-            <a:ext cx="5463540" cy="961390"/>
+            <a:ext cx="7068820" cy="961390"/>
           </a:xfrm>
           <a:prstGeom prst="rect">
             <a:avLst/>
@@ -10978,6 +11060,10 @@
             <a:noAutofit/>
           </a:bodyPr>
           <a:p>
+            <a:pPr marL="571500" indent="-571500">
+              <a:buFont typeface="Arial" panose="020B0604020202020204" pitchFamily="34" charset="0"/>
+              <a:buChar char="•"/>
+            </a:pPr>
             <a:r>
               <a:rPr lang="ru-RU" altLang="en-US" sz="4000">
                 <a:solidFill>
@@ -11876,6 +11962,30 @@
           </a:p>
         </p:txBody>
       </p:sp>
+      <p:pic>
+        <p:nvPicPr>
+          <p:cNvPr id="15" name="Изображение 14" descr="6"/>
+          <p:cNvPicPr>
+            <a:picLocks noChangeAspect="1"/>
+          </p:cNvPicPr>
+          <p:nvPr/>
+        </p:nvPicPr>
+        <p:blipFill>
+          <a:blip r:embed="rId12"/>
+          <a:stretch>
+            <a:fillRect/>
+          </a:stretch>
+        </p:blipFill>
+        <p:spPr>
+          <a:xfrm>
+            <a:off x="6599555" y="887730"/>
+            <a:ext cx="1677670" cy="1677670"/>
+          </a:xfrm>
+          <a:prstGeom prst="rect">
+            <a:avLst/>
+          </a:prstGeom>
+        </p:spPr>
+      </p:pic>
     </p:spTree>
   </p:cSld>
   <p:clrMapOvr>
@@ -12346,6 +12456,10 @@
             <a:noAutofit/>
           </a:bodyPr>
           <a:p>
+            <a:pPr marL="457200" indent="-457200">
+              <a:buFont typeface="Arial" panose="020B0604020202020204" pitchFamily="34" charset="0"/>
+              <a:buChar char="•"/>
+            </a:pPr>
             <a:r>
               <a:rPr lang="ru-RU" altLang="en-US" sz="3200">
                 <a:solidFill>
@@ -12387,6 +12501,10 @@
             <a:noAutofit/>
           </a:bodyPr>
           <a:p>
+            <a:pPr marL="457200" indent="-457200">
+              <a:buFont typeface="Arial" panose="020B0604020202020204" pitchFamily="34" charset="0"/>
+              <a:buChar char="•"/>
+            </a:pPr>
             <a:r>
               <a:rPr lang="ru-RU" altLang="en-US" sz="3200">
                 <a:solidFill>
@@ -12428,6 +12546,10 @@
             <a:noAutofit/>
           </a:bodyPr>
           <a:p>
+            <a:pPr marL="457200" indent="-457200">
+              <a:buFont typeface="Arial" panose="020B0604020202020204" pitchFamily="34" charset="0"/>
+              <a:buChar char="•"/>
+            </a:pPr>
             <a:r>
               <a:rPr lang="ru-RU" altLang="en-US" sz="3200">
                 <a:solidFill>
@@ -12728,7 +12850,7 @@
         </p:nvSpPr>
         <p:spPr>
           <a:xfrm>
-            <a:off x="0" y="0"/>
+            <a:off x="-635" y="0"/>
             <a:ext cx="12192635" cy="6858000"/>
           </a:xfrm>
           <a:prstGeom prst="rect">
@@ -13259,6 +13381,30 @@
           </a:p>
         </p:txBody>
       </p:sp>
+      <p:pic>
+        <p:nvPicPr>
+          <p:cNvPr id="15" name="Изображение 14" descr="6"/>
+          <p:cNvPicPr>
+            <a:picLocks noChangeAspect="1"/>
+          </p:cNvPicPr>
+          <p:nvPr/>
+        </p:nvPicPr>
+        <p:blipFill>
+          <a:blip r:embed="rId10"/>
+          <a:stretch>
+            <a:fillRect/>
+          </a:stretch>
+        </p:blipFill>
+        <p:spPr>
+          <a:xfrm>
+            <a:off x="6599555" y="887730"/>
+            <a:ext cx="1677670" cy="1677670"/>
+          </a:xfrm>
+          <a:prstGeom prst="rect">
+            <a:avLst/>
+          </a:prstGeom>
+        </p:spPr>
+      </p:pic>
     </p:spTree>
   </p:cSld>
   <p:clrMapOvr>
